--- a/Weightlifting Form Analyser using Neural Networks.pptx
+++ b/Weightlifting Form Analyser using Neural Networks.pptx
@@ -10374,34 +10374,6 @@
           </a:p>
         </p:txBody>
       </p:sp>
-      <p:pic>
-        <p:nvPicPr>
-          <p:cNvPr id="88" name="Google Shape;88;p16"/>
-          <p:cNvPicPr preferRelativeResize="0"/>
-          <p:nvPr/>
-        </p:nvPicPr>
-        <p:blipFill>
-          <a:blip r:embed="rId3">
-            <a:alphaModFix/>
-          </a:blip>
-          <a:stretch>
-            <a:fillRect/>
-          </a:stretch>
-        </p:blipFill>
-        <p:spPr>
-          <a:xfrm>
-            <a:off x="6198275" y="907152"/>
-            <a:ext cx="2579826" cy="2985374"/>
-          </a:xfrm>
-          <a:prstGeom prst="rect">
-            <a:avLst/>
-          </a:prstGeom>
-          <a:noFill/>
-          <a:ln>
-            <a:noFill/>
-          </a:ln>
-        </p:spPr>
-      </p:pic>
       <p:sp>
         <p:nvSpPr>
           <p:cNvPr id="89" name="Google Shape;89;p16"/>
@@ -10974,6 +10946,36 @@
           </a:p>
         </p:txBody>
       </p:sp>
+      <p:pic>
+        <p:nvPicPr>
+          <p:cNvPr id="5" name="Picture 4" descr="A picture containing person, person, sport&#10;&#10;Description automatically generated">
+            <a:extLst>
+              <a:ext uri="{FF2B5EF4-FFF2-40B4-BE49-F238E27FC236}">
+                <a16:creationId xmlns:a16="http://schemas.microsoft.com/office/drawing/2014/main" id="{781BA76C-5F74-D80B-434E-1AC84D82BD2C}"/>
+              </a:ext>
+            </a:extLst>
+          </p:cNvPr>
+          <p:cNvPicPr>
+            <a:picLocks noChangeAspect="1"/>
+          </p:cNvPicPr>
+          <p:nvPr/>
+        </p:nvPicPr>
+        <p:blipFill>
+          <a:blip r:embed="rId3"/>
+          <a:stretch>
+            <a:fillRect/>
+          </a:stretch>
+        </p:blipFill>
+        <p:spPr>
+          <a:xfrm>
+            <a:off x="6126004" y="1177363"/>
+            <a:ext cx="2724367" cy="2788773"/>
+          </a:xfrm>
+          <a:prstGeom prst="rect">
+            <a:avLst/>
+          </a:prstGeom>
+        </p:spPr>
+      </p:pic>
     </p:spTree>
   </p:cSld>
   <p:clrMapOvr>
